--- a/tutorial/T08/tutorial08.pptx
+++ b/tutorial/T08/tutorial08.pptx
@@ -9715,7 +9715,7 @@
           <a:p>
             <a:r>
               <a:rPr kumimoji="1" lang="en-US" altLang="zh-CN" dirty="0"/>
-              <a:t>One possible solution</a:t>
+              <a:t>One possible solution (pseudo code)</a:t>
             </a:r>
             <a:endParaRPr kumimoji="1" lang="zh-CN" altLang="en-US" dirty="0"/>
           </a:p>
@@ -9872,7 +9872,7 @@
           <a:p>
             <a:r>
               <a:rPr kumimoji="1" lang="en-US" altLang="zh-CN" dirty="0"/>
-              <a:t>One possible solution</a:t>
+              <a:t>One possible solution (pseudo code)</a:t>
             </a:r>
             <a:endParaRPr kumimoji="1" lang="zh-CN" altLang="en-US" dirty="0"/>
           </a:p>
@@ -10036,7 +10036,7 @@
           <a:p>
             <a:r>
               <a:rPr kumimoji="1" lang="en-US" altLang="zh-CN" dirty="0"/>
-              <a:t>One possible solution</a:t>
+              <a:t>One possible solution (pseudo code)</a:t>
             </a:r>
             <a:endParaRPr kumimoji="1" lang="zh-CN" altLang="en-US" dirty="0"/>
           </a:p>
@@ -10113,10 +10113,10 @@
       </p:sp>
       <p:pic>
         <p:nvPicPr>
-          <p:cNvPr id="7" name="图片 6" descr="文本&#10;&#10;描述已自动生成">
+          <p:cNvPr id="5" name="图片 4" descr="文本&#10;&#10;描述已自动生成">
             <a:extLst>
               <a:ext uri="{FF2B5EF4-FFF2-40B4-BE49-F238E27FC236}">
-                <a16:creationId xmlns:a16="http://schemas.microsoft.com/office/drawing/2014/main" id="{BCBC239B-D19A-004A-888D-79C50D947CBE}"/>
+                <a16:creationId xmlns:a16="http://schemas.microsoft.com/office/drawing/2014/main" id="{4FFB6755-A5FB-7948-B25B-26459974DD65}"/>
               </a:ext>
             </a:extLst>
           </p:cNvPr>
@@ -10125,15 +10125,16 @@
           </p:cNvPicPr>
           <p:nvPr/>
         </p:nvPicPr>
-        <p:blipFill rotWithShape="1">
+        <p:blipFill>
           <a:blip r:embed="rId2"/>
-          <a:srcRect b="1972"/>
-          <a:stretch/>
+          <a:stretch>
+            <a:fillRect/>
+          </a:stretch>
         </p:blipFill>
         <p:spPr>
           <a:xfrm>
-            <a:off x="4592627" y="1737360"/>
-            <a:ext cx="6107041" cy="4834037"/>
+            <a:off x="4281047" y="1720117"/>
+            <a:ext cx="6062360" cy="4851280"/>
           </a:xfrm>
           <a:prstGeom prst="rect">
             <a:avLst/>

--- a/tutorial/T08/tutorial08.pptx
+++ b/tutorial/T08/tutorial08.pptx
@@ -220,7 +220,7 @@
           <a:p>
             <a:fld id="{CDA3E50C-8D29-CD49-81E6-E25A0B0BA059}" type="datetimeFigureOut">
               <a:rPr kumimoji="1" lang="zh-CN" altLang="en-US" smtClean="0"/>
-              <a:t>2023/3/15</a:t>
+              <a:t>2023/3/16</a:t>
             </a:fld>
             <a:endParaRPr kumimoji="1" lang="zh-CN" altLang="en-US"/>
           </a:p>
@@ -713,7 +713,7 @@
           <a:p>
             <a:fld id="{9B993A63-DF40-DA46-B916-42BB1D655BFD}" type="datetime1">
               <a:rPr kumimoji="1" lang="zh-CN" altLang="en-US" smtClean="0"/>
-              <a:t>2023/3/15</a:t>
+              <a:t>2023/3/16</a:t>
             </a:fld>
             <a:endParaRPr kumimoji="1" lang="zh-CN" altLang="en-US"/>
           </a:p>
@@ -916,7 +916,7 @@
           <a:p>
             <a:fld id="{FE208271-4B60-4241-BB6A-F0F95203DA7C}" type="datetime1">
               <a:rPr kumimoji="1" lang="zh-CN" altLang="en-US" smtClean="0"/>
-              <a:t>2023/3/15</a:t>
+              <a:t>2023/3/16</a:t>
             </a:fld>
             <a:endParaRPr kumimoji="1" lang="zh-CN" altLang="en-US"/>
           </a:p>
@@ -1167,7 +1167,7 @@
           <a:p>
             <a:fld id="{E66102D7-0FED-3448-9142-28A39F7CB075}" type="datetime1">
               <a:rPr kumimoji="1" lang="zh-CN" altLang="en-US" smtClean="0"/>
-              <a:t>2023/3/15</a:t>
+              <a:t>2023/3/16</a:t>
             </a:fld>
             <a:endParaRPr kumimoji="1" lang="zh-CN" altLang="en-US"/>
           </a:p>
@@ -1332,7 +1332,7 @@
           <a:p>
             <a:fld id="{43A71A01-2F93-FD4B-91C4-7A16B04E255A}" type="datetime1">
               <a:rPr kumimoji="1" lang="zh-CN" altLang="en-US" smtClean="0"/>
-              <a:t>2023/3/15</a:t>
+              <a:t>2023/3/16</a:t>
             </a:fld>
             <a:endParaRPr kumimoji="1" lang="zh-CN" altLang="en-US"/>
           </a:p>
@@ -1670,7 +1670,7 @@
           <a:p>
             <a:fld id="{6FC37809-F7FE-2F42-A1D1-8DB6C0D03BC4}" type="datetime1">
               <a:rPr kumimoji="1" lang="zh-CN" altLang="en-US" smtClean="0"/>
-              <a:t>2023/3/15</a:t>
+              <a:t>2023/3/16</a:t>
             </a:fld>
             <a:endParaRPr kumimoji="1" lang="zh-CN" altLang="en-US"/>
           </a:p>
@@ -1940,7 +1940,7 @@
           <a:p>
             <a:fld id="{84A18863-6F8C-F647-AD34-32DBCEF5FF15}" type="datetime1">
               <a:rPr kumimoji="1" lang="zh-CN" altLang="en-US" smtClean="0"/>
-              <a:t>2023/3/15</a:t>
+              <a:t>2023/3/16</a:t>
             </a:fld>
             <a:endParaRPr kumimoji="1" lang="zh-CN" altLang="en-US"/>
           </a:p>
@@ -2314,7 +2314,7 @@
           <a:p>
             <a:fld id="{11CE1CDE-D1CF-A446-9160-38F52BCDD1EE}" type="datetime1">
               <a:rPr kumimoji="1" lang="zh-CN" altLang="en-US" smtClean="0"/>
-              <a:t>2023/3/15</a:t>
+              <a:t>2023/3/16</a:t>
             </a:fld>
             <a:endParaRPr kumimoji="1" lang="zh-CN" altLang="en-US"/>
           </a:p>
@@ -2427,7 +2427,7 @@
           <a:p>
             <a:fld id="{63E83E3D-155E-434C-B98D-12DBEF5C2378}" type="datetime1">
               <a:rPr kumimoji="1" lang="zh-CN" altLang="en-US" smtClean="0"/>
-              <a:t>2023/3/15</a:t>
+              <a:t>2023/3/16</a:t>
             </a:fld>
             <a:endParaRPr kumimoji="1" lang="zh-CN" altLang="en-US"/>
           </a:p>
@@ -2593,7 +2593,7 @@
           <a:p>
             <a:fld id="{00CCC2C8-788C-E94C-BBDF-0A65A26E5495}" type="datetime1">
               <a:rPr kumimoji="1" lang="zh-CN" altLang="en-US" smtClean="0"/>
-              <a:t>2023/3/15</a:t>
+              <a:t>2023/3/16</a:t>
             </a:fld>
             <a:endParaRPr kumimoji="1" lang="zh-CN" altLang="en-US"/>
           </a:p>
@@ -2942,7 +2942,7 @@
           <a:p>
             <a:fld id="{5FD0019E-A3C0-F149-9AD2-76BAED7174B5}" type="datetime1">
               <a:rPr kumimoji="1" lang="zh-CN" altLang="en-US" smtClean="0"/>
-              <a:t>2023/3/15</a:t>
+              <a:t>2023/3/16</a:t>
             </a:fld>
             <a:endParaRPr kumimoji="1" lang="zh-CN" altLang="en-US"/>
           </a:p>
@@ -3314,7 +3314,7 @@
           <a:p>
             <a:fld id="{BF51EC82-1CE6-7C45-8487-C5DEF92A7759}" type="datetime1">
               <a:rPr kumimoji="1" lang="zh-CN" altLang="en-US" smtClean="0"/>
-              <a:t>2023/3/15</a:t>
+              <a:t>2023/3/16</a:t>
             </a:fld>
             <a:endParaRPr kumimoji="1" lang="zh-CN" altLang="en-US"/>
           </a:p>
@@ -3596,7 +3596,7 @@
           <a:p>
             <a:fld id="{A171C1B1-A5D9-924C-BE73-35D511E54D82}" type="datetime1">
               <a:rPr kumimoji="1" lang="zh-CN" altLang="en-US" smtClean="0"/>
-              <a:t>2023/3/15</a:t>
+              <a:t>2023/3/16</a:t>
             </a:fld>
             <a:endParaRPr kumimoji="1" lang="zh-CN" altLang="en-US"/>
           </a:p>
@@ -10113,10 +10113,10 @@
       </p:sp>
       <p:pic>
         <p:nvPicPr>
-          <p:cNvPr id="5" name="图片 4" descr="文本&#10;&#10;描述已自动生成">
+          <p:cNvPr id="3" name="图片 2">
             <a:extLst>
               <a:ext uri="{FF2B5EF4-FFF2-40B4-BE49-F238E27FC236}">
-                <a16:creationId xmlns:a16="http://schemas.microsoft.com/office/drawing/2014/main" id="{4FFB6755-A5FB-7948-B25B-26459974DD65}"/>
+                <a16:creationId xmlns:a16="http://schemas.microsoft.com/office/drawing/2014/main" id="{9EF840C3-BEA7-3C49-AE38-CBB3776983F7}"/>
               </a:ext>
             </a:extLst>
           </p:cNvPr>
@@ -10125,16 +10125,15 @@
           </p:cNvPicPr>
           <p:nvPr/>
         </p:nvPicPr>
-        <p:blipFill>
+        <p:blipFill rotWithShape="1">
           <a:blip r:embed="rId2"/>
-          <a:stretch>
-            <a:fillRect/>
-          </a:stretch>
+          <a:srcRect l="5861" t="6940" r="5757" b="7188"/>
+          <a:stretch/>
         </p:blipFill>
         <p:spPr>
           <a:xfrm>
-            <a:off x="4281047" y="1720117"/>
-            <a:ext cx="6062360" cy="4851280"/>
+            <a:off x="4944093" y="1642453"/>
+            <a:ext cx="5731498" cy="4829207"/>
           </a:xfrm>
           <a:prstGeom prst="rect">
             <a:avLst/>
